--- a/project/Presentation of  the Airline Seat Reservation Project.pptx
+++ b/project/Presentation of  the Airline Seat Reservation Project.pptx
@@ -5,16 +5,15 @@
     <p:sldMasterId id="2147483684" r:id="rId4"/>
   </p:sldMasterIdLst>
   <p:notesMasterIdLst>
-    <p:notesMasterId r:id="rId9"/>
+    <p:notesMasterId r:id="rId8"/>
   </p:notesMasterIdLst>
   <p:handoutMasterIdLst>
-    <p:handoutMasterId r:id="rId10"/>
+    <p:handoutMasterId r:id="rId9"/>
   </p:handoutMasterIdLst>
   <p:sldIdLst>
     <p:sldId id="257" r:id="rId5"/>
-    <p:sldId id="389" r:id="rId6"/>
-    <p:sldId id="393" r:id="rId7"/>
-    <p:sldId id="391" r:id="rId8"/>
+    <p:sldId id="393" r:id="rId6"/>
+    <p:sldId id="391" r:id="rId7"/>
   </p:sldIdLst>
   <p:sldSz cx="12192000" cy="6858000"/>
   <p:notesSz cx="6858000" cy="9144000"/>
@@ -231,7 +230,7 @@
             <a:pPr rtl="0"/>
             <a:fld id="{DF573A73-0C02-41DC-9C64-70B5D0D4A796}" type="datetime1">
               <a:rPr lang="de-DE" smtClean="0"/>
-              <a:t>23.01.2023</a:t>
+              <a:t>30.01.2023</a:t>
             </a:fld>
             <a:endParaRPr lang="de-DE"/>
           </a:p>
@@ -413,7 +412,7 @@
             <a:pPr rtl="0"/>
             <a:fld id="{A98FA82B-9E85-417F-9149-A676378CFEEC}" type="datetime1">
               <a:rPr lang="de-DE" smtClean="0"/>
-              <a:t>23.01.2023</a:t>
+              <a:t>30.01.2023</a:t>
             </a:fld>
             <a:endParaRPr lang="de-DE"/>
           </a:p>
@@ -781,7 +780,7 @@
             <a:pPr rtl="0"/>
             <a:fld id="{983EC9AB-3ADB-4B30-A6B6-059406132D94}" type="datetime1">
               <a:rPr lang="de-DE" smtClean="0"/>
-              <a:t>23.01.2023</a:t>
+              <a:t>30.01.2023</a:t>
             </a:fld>
             <a:endParaRPr lang="de-DE"/>
           </a:p>
@@ -2696,7 +2695,7 @@
             <a:pPr rtl="0"/>
             <a:fld id="{BE64F302-4F66-48BF-91F0-298E7E23D9C8}" type="datetime1">
               <a:rPr lang="de-DE" smtClean="0"/>
-              <a:t>23.01.2023</a:t>
+              <a:t>30.01.2023</a:t>
             </a:fld>
             <a:endParaRPr lang="de-DE" dirty="0"/>
           </a:p>
@@ -2957,7 +2956,7 @@
             <a:pPr rtl="0"/>
             <a:fld id="{7CE31348-EE87-481E-B89B-D3248950AD87}" type="datetime1">
               <a:rPr lang="de-DE" smtClean="0"/>
-              <a:t>23.01.2023</a:t>
+              <a:t>30.01.2023</a:t>
             </a:fld>
             <a:endParaRPr lang="de-DE"/>
           </a:p>
@@ -4065,7 +4064,7 @@
             <a:pPr rtl="0"/>
             <a:fld id="{1B94E278-695E-4B80-BA6D-8C7C467746D2}" type="datetime1">
               <a:rPr lang="de-DE" smtClean="0"/>
-              <a:t>23.01.2023</a:t>
+              <a:t>30.01.2023</a:t>
             </a:fld>
             <a:endParaRPr lang="de-DE"/>
           </a:p>
@@ -4409,7 +4408,7 @@
             <a:pPr rtl="0"/>
             <a:fld id="{3906CA2F-F798-4C25-8943-80836C2FEE40}" type="datetime1">
               <a:rPr lang="de-DE" smtClean="0"/>
-              <a:t>23.01.2023</a:t>
+              <a:t>30.01.2023</a:t>
             </a:fld>
             <a:endParaRPr lang="de-DE" dirty="0"/>
           </a:p>
@@ -5944,7 +5943,7 @@
             <a:pPr rtl="0"/>
             <a:fld id="{5EEF9D36-6860-49BF-8DA2-E4CD89D8365E}" type="datetime1">
               <a:rPr lang="de-DE" smtClean="0"/>
-              <a:t>23.01.2023</a:t>
+              <a:t>30.01.2023</a:t>
             </a:fld>
             <a:endParaRPr lang="de-DE"/>
           </a:p>
@@ -6073,7 +6072,7 @@
             <a:pPr rtl="0"/>
             <a:fld id="{38CF936C-B31E-40B3-A573-D24A0291FA8F}" type="datetime1">
               <a:rPr lang="de-DE" smtClean="0"/>
-              <a:t>23.01.2023</a:t>
+              <a:t>30.01.2023</a:t>
             </a:fld>
             <a:endParaRPr lang="de-DE"/>
           </a:p>
@@ -6735,7 +6734,7 @@
             <a:pPr rtl="0"/>
             <a:fld id="{49FECCFE-955F-47EF-8C06-EF5BDD09FF6D}" type="datetime1">
               <a:rPr lang="de-DE" smtClean="0"/>
-              <a:t>23.01.2023</a:t>
+              <a:t>30.01.2023</a:t>
             </a:fld>
             <a:endParaRPr lang="de-DE"/>
           </a:p>
@@ -7252,7 +7251,7 @@
             <a:pPr rtl="0"/>
             <a:fld id="{6B330547-24AD-4EF8-9FD4-8BE021EF882B}" type="datetime1">
               <a:rPr lang="de-DE" smtClean="0"/>
-              <a:t>23.01.2023</a:t>
+              <a:t>30.01.2023</a:t>
             </a:fld>
             <a:endParaRPr lang="de-DE" dirty="0"/>
           </a:p>
@@ -7988,7 +7987,7 @@
             <a:pPr rtl="0"/>
             <a:fld id="{E0F11082-9F8D-49C8-A86C-2C61C104AAD7}" type="datetime1">
               <a:rPr lang="de-DE" smtClean="0"/>
-              <a:t>23.01.2023</a:t>
+              <a:t>30.01.2023</a:t>
             </a:fld>
             <a:endParaRPr lang="de-DE"/>
           </a:p>
@@ -8218,7 +8217,7 @@
             <a:pPr rtl="0"/>
             <a:fld id="{D938B30A-26A9-47DB-B578-213A7A99BD56}" type="datetime1">
               <a:rPr lang="de-DE" smtClean="0"/>
-              <a:t>23.01.2023</a:t>
+              <a:t>30.01.2023</a:t>
             </a:fld>
             <a:endParaRPr lang="de-DE"/>
           </a:p>
@@ -9325,7 +9324,7 @@
             <a:pPr rtl="0"/>
             <a:fld id="{45CAC881-50BF-4798-B104-9CCE33141D74}" type="datetime1">
               <a:rPr lang="de-DE" smtClean="0"/>
-              <a:t>23.01.2023</a:t>
+              <a:t>30.01.2023</a:t>
             </a:fld>
             <a:endParaRPr lang="de-DE"/>
           </a:p>
@@ -10198,7 +10197,7 @@
             <a:pPr rtl="0"/>
             <a:fld id="{41FB7CDD-B9CD-4048-B0D6-8B3C9C697BD2}" type="datetime1">
               <a:rPr lang="de-DE" smtClean="0"/>
-              <a:t>23.01.2023</a:t>
+              <a:t>30.01.2023</a:t>
             </a:fld>
             <a:endParaRPr lang="de-DE"/>
           </a:p>
@@ -11455,7 +11454,7 @@
             <a:pPr rtl="0"/>
             <a:fld id="{8A5B3AF2-D418-4D2E-B139-1D461BB42A86}" type="datetime1">
               <a:rPr lang="de-DE" smtClean="0"/>
-              <a:t>23.01.2023</a:t>
+              <a:t>30.01.2023</a:t>
             </a:fld>
             <a:endParaRPr lang="de-DE" dirty="0"/>
           </a:p>
@@ -12050,7 +12049,7 @@
             <a:pPr rtl="0"/>
             <a:fld id="{384A2B3E-F496-4363-BB24-52790E5E4A6B}" type="datetime1">
               <a:rPr lang="de-DE" smtClean="0"/>
-              <a:t>23.01.2023</a:t>
+              <a:t>30.01.2023</a:t>
             </a:fld>
             <a:endParaRPr lang="de-DE"/>
           </a:p>
@@ -12314,7 +12313,7 @@
             <a:pPr rtl="0"/>
             <a:fld id="{EBD25E93-5C3D-47E4-ACC1-48AA88B93988}" type="datetime1">
               <a:rPr lang="de-DE" smtClean="0"/>
-              <a:t>23.01.2023</a:t>
+              <a:t>30.01.2023</a:t>
             </a:fld>
             <a:endParaRPr lang="de-DE" dirty="0"/>
           </a:p>
@@ -13139,194 +13138,10 @@
       </p:grpSpPr>
       <p:sp>
         <p:nvSpPr>
-          <p:cNvPr id="2" name="Titel 1">
-            <a:extLst>
-              <a:ext uri="{FF2B5EF4-FFF2-40B4-BE49-F238E27FC236}">
-                <a16:creationId xmlns:a16="http://schemas.microsoft.com/office/drawing/2014/main" id="{0046426E-F6F6-4A7C-9181-8C3090996261}"/>
-              </a:ext>
-            </a:extLst>
-          </p:cNvPr>
-          <p:cNvSpPr>
-            <a:spLocks noGrp="1"/>
-          </p:cNvSpPr>
-          <p:nvPr>
-            <p:ph type="title"/>
-          </p:nvPr>
-        </p:nvSpPr>
-        <p:spPr>
-          <a:xfrm>
-            <a:off x="550864" y="549275"/>
-            <a:ext cx="3565524" cy="1997855"/>
-          </a:xfrm>
-        </p:spPr>
-        <p:txBody>
-          <a:bodyPr rtlCol="0"/>
-          <a:lstStyle/>
-          <a:p>
-            <a:pPr rtl="0"/>
-            <a:r>
-              <a:rPr lang="de-DE"/>
-              <a:t>Agenda</a:t>
-            </a:r>
-          </a:p>
-        </p:txBody>
-      </p:sp>
-      <p:sp>
-        <p:nvSpPr>
-          <p:cNvPr id="3" name="Inhaltsplatzhalter 2">
-            <a:extLst>
-              <a:ext uri="{FF2B5EF4-FFF2-40B4-BE49-F238E27FC236}">
-                <a16:creationId xmlns:a16="http://schemas.microsoft.com/office/drawing/2014/main" id="{D3B60D6F-4D0F-4D33-B2A7-159C8583FF00}"/>
-              </a:ext>
-            </a:extLst>
-          </p:cNvPr>
-          <p:cNvSpPr>
-            <a:spLocks noGrp="1"/>
-          </p:cNvSpPr>
-          <p:nvPr>
-            <p:ph idx="1"/>
-          </p:nvPr>
-        </p:nvSpPr>
-        <p:spPr>
-          <a:xfrm>
-            <a:off x="550863" y="2677306"/>
-            <a:ext cx="3565525" cy="3415519"/>
-          </a:xfrm>
-        </p:spPr>
-        <p:txBody>
-          <a:bodyPr rtlCol="0"/>
-          <a:lstStyle/>
-          <a:p>
-            <a:pPr rtl="0"/>
-            <a:r>
-              <a:rPr lang="en-GB" dirty="0"/>
-              <a:t>Project Overview</a:t>
-            </a:r>
-          </a:p>
-          <a:p>
-            <a:pPr rtl="0"/>
-            <a:r>
-              <a:rPr lang="en-GB" dirty="0"/>
-              <a:t>Important Modules </a:t>
-            </a:r>
-          </a:p>
-          <a:p>
-            <a:pPr rtl="0"/>
-            <a:r>
-              <a:rPr lang="en-GB" dirty="0"/>
-              <a:t>Project Demonstration</a:t>
-            </a:r>
-          </a:p>
-        </p:txBody>
-      </p:sp>
-      <p:pic>
-        <p:nvPicPr>
-          <p:cNvPr id="8" name="Bildplatzhalter 7" descr="Digitale Daten">
-            <a:extLst>
-              <a:ext uri="{FF2B5EF4-FFF2-40B4-BE49-F238E27FC236}">
-                <a16:creationId xmlns:a16="http://schemas.microsoft.com/office/drawing/2014/main" id="{06D2324F-3B7B-45EF-9584-C8EADD2C8C0B}"/>
-              </a:ext>
-            </a:extLst>
-          </p:cNvPr>
-          <p:cNvPicPr>
-            <a:picLocks noGrp="1" noChangeAspect="1"/>
-          </p:cNvPicPr>
-          <p:nvPr>
-            <p:ph type="pic" sz="quarter" idx="13"/>
-          </p:nvPr>
-        </p:nvPicPr>
-        <p:blipFill rotWithShape="1">
-          <a:blip r:embed="rId2" cstate="screen">
-            <a:extLst>
-              <a:ext uri="{28A0092B-C50C-407E-A947-70E740481C1C}">
-                <a14:useLocalDpi xmlns:a14="http://schemas.microsoft.com/office/drawing/2010/main" val="0"/>
-              </a:ext>
-            </a:extLst>
-          </a:blip>
-          <a:srcRect/>
-          <a:stretch/>
-        </p:blipFill>
-        <p:spPr>
-          <a:xfrm>
-            <a:off x="5208928" y="1600454"/>
-            <a:ext cx="3448558" cy="3448558"/>
-          </a:xfrm>
-        </p:spPr>
-      </p:pic>
-      <p:pic>
-        <p:nvPicPr>
-          <p:cNvPr id="10" name="Bildplatzhalter 9" descr="Datenpunkte ">
-            <a:extLst>
-              <a:ext uri="{FF2B5EF4-FFF2-40B4-BE49-F238E27FC236}">
-                <a16:creationId xmlns:a16="http://schemas.microsoft.com/office/drawing/2014/main" id="{71F862F9-0E8A-4DB9-8083-1C3AA6E5D777}"/>
-              </a:ext>
-            </a:extLst>
-          </p:cNvPr>
-          <p:cNvPicPr>
-            <a:picLocks noGrp="1" noChangeAspect="1"/>
-          </p:cNvPicPr>
-          <p:nvPr>
-            <p:ph type="pic" sz="quarter" idx="14"/>
-          </p:nvPr>
-        </p:nvPicPr>
-        <p:blipFill rotWithShape="1">
-          <a:blip r:embed="rId3" cstate="screen">
-            <a:extLst>
-              <a:ext uri="{28A0092B-C50C-407E-A947-70E740481C1C}">
-                <a14:useLocalDpi xmlns:a14="http://schemas.microsoft.com/office/drawing/2010/main" val="0"/>
-              </a:ext>
-            </a:extLst>
-          </a:blip>
-          <a:srcRect/>
-          <a:stretch/>
-        </p:blipFill>
-        <p:spPr>
-          <a:xfrm>
-            <a:off x="8918575" y="596392"/>
-            <a:ext cx="2263776" cy="2263776"/>
-          </a:xfrm>
-        </p:spPr>
-      </p:pic>
-      <p:pic>
-        <p:nvPicPr>
-          <p:cNvPr id="12" name="Bildplatzhalter 11" descr="Datenhintergrund">
-            <a:extLst>
-              <a:ext uri="{FF2B5EF4-FFF2-40B4-BE49-F238E27FC236}">
-                <a16:creationId xmlns:a16="http://schemas.microsoft.com/office/drawing/2014/main" id="{A63F39B9-0715-40B5-8ECB-9B983F99C690}"/>
-              </a:ext>
-            </a:extLst>
-          </p:cNvPr>
-          <p:cNvPicPr>
-            <a:picLocks noGrp="1" noChangeAspect="1"/>
-          </p:cNvPicPr>
-          <p:nvPr>
-            <p:ph type="pic" sz="quarter" idx="15"/>
-          </p:nvPr>
-        </p:nvPicPr>
-        <p:blipFill rotWithShape="1">
-          <a:blip r:embed="rId4" cstate="screen">
-            <a:extLst>
-              <a:ext uri="{28A0092B-C50C-407E-A947-70E740481C1C}">
-                <a14:useLocalDpi xmlns:a14="http://schemas.microsoft.com/office/drawing/2010/main" val="0"/>
-              </a:ext>
-            </a:extLst>
-          </a:blip>
-          <a:srcRect/>
-          <a:stretch/>
-        </p:blipFill>
-        <p:spPr>
-          <a:xfrm>
-            <a:off x="9091612" y="3324733"/>
-            <a:ext cx="2936876" cy="2936876"/>
-          </a:xfrm>
-        </p:spPr>
-      </p:pic>
-      <p:sp>
-        <p:nvSpPr>
-          <p:cNvPr id="13" name="Datumsplatzhalter 12">
-            <a:extLst>
-              <a:ext uri="{FF2B5EF4-FFF2-40B4-BE49-F238E27FC236}">
-                <a16:creationId xmlns:a16="http://schemas.microsoft.com/office/drawing/2014/main" id="{915FE2C5-E66A-4405-B19E-2C5C546C98E4}"/>
+          <p:cNvPr id="2" name="Datumsplatzhalter 1">
+            <a:extLst>
+              <a:ext uri="{FF2B5EF4-FFF2-40B4-BE49-F238E27FC236}">
+                <a16:creationId xmlns:a16="http://schemas.microsoft.com/office/drawing/2014/main" id="{46E338EC-5C82-4A59-9EDB-DD22D4BA42F9}"/>
               </a:ext>
             </a:extLst>
           </p:cNvPr>
@@ -13337,31 +13152,26 @@
             <p:ph type="dt" sz="half" idx="10"/>
           </p:nvPr>
         </p:nvSpPr>
-        <p:spPr>
-          <a:xfrm>
-            <a:off x="550863" y="6507212"/>
-            <a:ext cx="2628900" cy="153888"/>
-          </a:xfrm>
-        </p:spPr>
-        <p:txBody>
-          <a:bodyPr rtlCol="0"/>
+        <p:spPr/>
+        <p:txBody>
+          <a:bodyPr/>
           <a:lstStyle/>
           <a:p>
             <a:pPr rtl="0"/>
-            <a:fld id="{1D6DE8C4-C06D-48C9-8449-65A5A82FD9C7}" type="datetime1">
+            <a:fld id="{541991E6-8862-403C-9958-9D53EBE1E90C}" type="datetime1">
               <a:rPr lang="de-DE" smtClean="0"/>
-              <a:t>23.01.2023</a:t>
+              <a:t>30.01.2023</a:t>
             </a:fld>
-            <a:endParaRPr lang="de-DE"/>
-          </a:p>
-        </p:txBody>
-      </p:sp>
-      <p:sp>
-        <p:nvSpPr>
-          <p:cNvPr id="14" name="Fußzeilenplatzhalter 13">
-            <a:extLst>
-              <a:ext uri="{FF2B5EF4-FFF2-40B4-BE49-F238E27FC236}">
-                <a16:creationId xmlns:a16="http://schemas.microsoft.com/office/drawing/2014/main" id="{B01DF4D0-78BC-4C8C-9570-26F0B225433A}"/>
+            <a:endParaRPr lang="de-DE" dirty="0"/>
+          </a:p>
+        </p:txBody>
+      </p:sp>
+      <p:sp>
+        <p:nvSpPr>
+          <p:cNvPr id="3" name="Fußzeilenplatzhalter 2">
+            <a:extLst>
+              <a:ext uri="{FF2B5EF4-FFF2-40B4-BE49-F238E27FC236}">
+                <a16:creationId xmlns:a16="http://schemas.microsoft.com/office/drawing/2014/main" id="{933DB8CE-3FEF-48BE-B904-8EF1C402E5F1}"/>
               </a:ext>
             </a:extLst>
           </p:cNvPr>
@@ -13372,34 +13182,25 @@
             <p:ph type="ftr" sz="quarter" idx="11"/>
           </p:nvPr>
         </p:nvSpPr>
-        <p:spPr>
-          <a:xfrm>
-            <a:off x="3359150" y="6507212"/>
-            <a:ext cx="6379210" cy="153888"/>
-          </a:xfrm>
-        </p:spPr>
-        <p:txBody>
-          <a:bodyPr rtlCol="0"/>
+        <p:spPr/>
+        <p:txBody>
+          <a:bodyPr/>
           <a:lstStyle/>
           <a:p>
             <a:pPr rtl="0"/>
             <a:r>
-              <a:rPr lang="de-DE" dirty="0" err="1"/>
-              <a:t>Snakes</a:t>
-            </a:r>
-            <a:r>
-              <a:rPr lang="de-DE" dirty="0"/>
-              <a:t> on a Plane</a:t>
-            </a:r>
-          </a:p>
-        </p:txBody>
-      </p:sp>
-      <p:sp>
-        <p:nvSpPr>
-          <p:cNvPr id="15" name="Foliennummernplatzhalter 14">
-            <a:extLst>
-              <a:ext uri="{FF2B5EF4-FFF2-40B4-BE49-F238E27FC236}">
-                <a16:creationId xmlns:a16="http://schemas.microsoft.com/office/drawing/2014/main" id="{3B199C97-F175-437D-8311-DB662925C063}"/>
+              <a:rPr lang="de-DE"/>
+              <a:t>Beispiel für einen Fußzeilentext</a:t>
+            </a:r>
+          </a:p>
+        </p:txBody>
+      </p:sp>
+      <p:sp>
+        <p:nvSpPr>
+          <p:cNvPr id="4" name="Foliennummernplatzhalter 3">
+            <a:extLst>
+              <a:ext uri="{FF2B5EF4-FFF2-40B4-BE49-F238E27FC236}">
+                <a16:creationId xmlns:a16="http://schemas.microsoft.com/office/drawing/2014/main" id="{68F59B3D-7587-4678-BDD5-D8BA1E7FE6A7}"/>
               </a:ext>
             </a:extLst>
           </p:cNvPr>
@@ -13410,145 +13211,20 @@
             <p:ph type="sldNum" sz="quarter" idx="12"/>
           </p:nvPr>
         </p:nvSpPr>
-        <p:spPr>
-          <a:xfrm>
-            <a:off x="9948863" y="6507212"/>
-            <a:ext cx="1692274" cy="153888"/>
-          </a:xfrm>
-        </p:spPr>
-        <p:txBody>
-          <a:bodyPr rtlCol="0"/>
+        <p:spPr/>
+        <p:txBody>
+          <a:bodyPr/>
           <a:lstStyle/>
           <a:p>
             <a:pPr rtl="0"/>
             <a:fld id="{DBA1B0FB-D917-4C8C-928F-313BD683BF39}" type="slidenum">
               <a:rPr lang="de-DE" smtClean="0"/>
-              <a:pPr/>
               <a:t>2</a:t>
             </a:fld>
             <a:endParaRPr lang="de-DE"/>
           </a:p>
         </p:txBody>
       </p:sp>
-    </p:spTree>
-    <p:extLst>
-      <p:ext uri="{BB962C8B-B14F-4D97-AF65-F5344CB8AC3E}">
-        <p14:creationId xmlns:p14="http://schemas.microsoft.com/office/powerpoint/2010/main" val="2313234867"/>
-      </p:ext>
-    </p:extLst>
-  </p:cSld>
-  <p:clrMapOvr>
-    <a:masterClrMapping/>
-  </p:clrMapOvr>
-</p:sld>
-</file>
-
-<file path=ppt/slides/slide3.xml><?xml version="1.0" encoding="utf-8"?>
-<p:sld xmlns:a="http://schemas.openxmlformats.org/drawingml/2006/main" xmlns:r="http://schemas.openxmlformats.org/officeDocument/2006/relationships" xmlns:p="http://schemas.openxmlformats.org/presentationml/2006/main">
-  <p:cSld>
-    <p:spTree>
-      <p:nvGrpSpPr>
-        <p:cNvPr id="1" name=""/>
-        <p:cNvGrpSpPr/>
-        <p:nvPr/>
-      </p:nvGrpSpPr>
-      <p:grpSpPr>
-        <a:xfrm>
-          <a:off x="0" y="0"/>
-          <a:ext cx="0" cy="0"/>
-          <a:chOff x="0" y="0"/>
-          <a:chExt cx="0" cy="0"/>
-        </a:xfrm>
-      </p:grpSpPr>
-      <p:sp>
-        <p:nvSpPr>
-          <p:cNvPr id="2" name="Datumsplatzhalter 1">
-            <a:extLst>
-              <a:ext uri="{FF2B5EF4-FFF2-40B4-BE49-F238E27FC236}">
-                <a16:creationId xmlns:a16="http://schemas.microsoft.com/office/drawing/2014/main" id="{46E338EC-5C82-4A59-9EDB-DD22D4BA42F9}"/>
-              </a:ext>
-            </a:extLst>
-          </p:cNvPr>
-          <p:cNvSpPr>
-            <a:spLocks noGrp="1"/>
-          </p:cNvSpPr>
-          <p:nvPr>
-            <p:ph type="dt" sz="half" idx="10"/>
-          </p:nvPr>
-        </p:nvSpPr>
-        <p:spPr/>
-        <p:txBody>
-          <a:bodyPr/>
-          <a:lstStyle/>
-          <a:p>
-            <a:pPr rtl="0"/>
-            <a:fld id="{541991E6-8862-403C-9958-9D53EBE1E90C}" type="datetime1">
-              <a:rPr lang="de-DE" smtClean="0"/>
-              <a:t>23.01.2023</a:t>
-            </a:fld>
-            <a:endParaRPr lang="de-DE" dirty="0"/>
-          </a:p>
-        </p:txBody>
-      </p:sp>
-      <p:sp>
-        <p:nvSpPr>
-          <p:cNvPr id="3" name="Fußzeilenplatzhalter 2">
-            <a:extLst>
-              <a:ext uri="{FF2B5EF4-FFF2-40B4-BE49-F238E27FC236}">
-                <a16:creationId xmlns:a16="http://schemas.microsoft.com/office/drawing/2014/main" id="{933DB8CE-3FEF-48BE-B904-8EF1C402E5F1}"/>
-              </a:ext>
-            </a:extLst>
-          </p:cNvPr>
-          <p:cNvSpPr>
-            <a:spLocks noGrp="1"/>
-          </p:cNvSpPr>
-          <p:nvPr>
-            <p:ph type="ftr" sz="quarter" idx="11"/>
-          </p:nvPr>
-        </p:nvSpPr>
-        <p:spPr/>
-        <p:txBody>
-          <a:bodyPr/>
-          <a:lstStyle/>
-          <a:p>
-            <a:pPr rtl="0"/>
-            <a:r>
-              <a:rPr lang="de-DE"/>
-              <a:t>Beispiel für einen Fußzeilentext</a:t>
-            </a:r>
-          </a:p>
-        </p:txBody>
-      </p:sp>
-      <p:sp>
-        <p:nvSpPr>
-          <p:cNvPr id="4" name="Foliennummernplatzhalter 3">
-            <a:extLst>
-              <a:ext uri="{FF2B5EF4-FFF2-40B4-BE49-F238E27FC236}">
-                <a16:creationId xmlns:a16="http://schemas.microsoft.com/office/drawing/2014/main" id="{68F59B3D-7587-4678-BDD5-D8BA1E7FE6A7}"/>
-              </a:ext>
-            </a:extLst>
-          </p:cNvPr>
-          <p:cNvSpPr>
-            <a:spLocks noGrp="1"/>
-          </p:cNvSpPr>
-          <p:nvPr>
-            <p:ph type="sldNum" sz="quarter" idx="12"/>
-          </p:nvPr>
-        </p:nvSpPr>
-        <p:spPr/>
-        <p:txBody>
-          <a:bodyPr/>
-          <a:lstStyle/>
-          <a:p>
-            <a:pPr rtl="0"/>
-            <a:fld id="{DBA1B0FB-D917-4C8C-928F-313BD683BF39}" type="slidenum">
-              <a:rPr lang="de-DE" smtClean="0"/>
-              <a:t>3</a:t>
-            </a:fld>
-            <a:endParaRPr lang="de-DE"/>
-          </a:p>
-        </p:txBody>
-      </p:sp>
       <p:sp>
         <p:nvSpPr>
           <p:cNvPr id="5" name="Rechteck 4">
@@ -13563,8 +13239,8 @@
         </p:nvSpPr>
         <p:spPr>
           <a:xfrm>
-            <a:off x="8815733" y="2305480"/>
-            <a:ext cx="2964562" cy="2209617"/>
+            <a:off x="8815732" y="2305480"/>
+            <a:ext cx="2964562" cy="2598466"/>
           </a:xfrm>
           <a:prstGeom prst="rect">
             <a:avLst/>
@@ -13813,7 +13489,7 @@
         </p:nvSpPr>
         <p:spPr>
           <a:xfrm>
-            <a:off x="8815732" y="3878489"/>
+            <a:off x="8814786" y="4264985"/>
             <a:ext cx="1540935" cy="636608"/>
           </a:xfrm>
           <a:prstGeom prst="rect">
@@ -13884,7 +13560,7 @@
         </p:blipFill>
         <p:spPr>
           <a:xfrm>
-            <a:off x="9923504" y="2935766"/>
+            <a:off x="9923504" y="3069116"/>
             <a:ext cx="987619" cy="987619"/>
           </a:xfrm>
           <a:prstGeom prst="rect">
@@ -14090,7 +13766,7 @@
         <p:spPr>
           <a:xfrm>
             <a:off x="4811591" y="2305481"/>
-            <a:ext cx="2009801" cy="2212823"/>
+            <a:ext cx="2009801" cy="2598466"/>
           </a:xfrm>
           <a:prstGeom prst="rect">
             <a:avLst/>
@@ -14146,8 +13822,8 @@
         </p:nvSpPr>
         <p:spPr>
           <a:xfrm>
-            <a:off x="5519506" y="3872393"/>
-            <a:ext cx="1301885" cy="642705"/>
+            <a:off x="5519507" y="3872393"/>
+            <a:ext cx="1301885" cy="1031554"/>
           </a:xfrm>
           <a:prstGeom prst="snip1Rect">
             <a:avLst>
@@ -14183,7 +13859,7 @@
           </a:fontRef>
         </p:style>
         <p:txBody>
-          <a:bodyPr rtlCol="0" anchor="ctr"/>
+          <a:bodyPr rtlCol="0" anchor="t"/>
           <a:lstStyle/>
           <a:p>
             <a:pPr algn="ctr"/>
@@ -14198,6 +13874,26 @@
             <a:r>
               <a:rPr lang="de-DE" sz="2000" dirty="0"/>
               <a:t>‘</a:t>
+            </a:r>
+          </a:p>
+          <a:p>
+            <a:pPr marL="342900" indent="-342900" algn="ctr">
+              <a:buFontTx/>
+              <a:buChar char="-"/>
+            </a:pPr>
+            <a:r>
+              <a:rPr lang="de-DE" sz="2000" dirty="0"/>
+              <a:t>User</a:t>
+            </a:r>
+          </a:p>
+          <a:p>
+            <a:pPr marL="342900" indent="-342900" algn="ctr">
+              <a:buFontTx/>
+              <a:buChar char="-"/>
+            </a:pPr>
+            <a:r>
+              <a:rPr lang="de-DE" sz="2000" dirty="0"/>
+              <a:t>Seats</a:t>
             </a:r>
           </a:p>
         </p:txBody>
@@ -14449,7 +14145,7 @@
         </p:blipFill>
         <p:spPr>
           <a:xfrm>
-            <a:off x="8897287" y="3878489"/>
+            <a:off x="8908533" y="4264985"/>
             <a:ext cx="606102" cy="606102"/>
           </a:xfrm>
           <a:prstGeom prst="rect">
@@ -14470,7 +14166,7 @@
 </p:sld>
 </file>
 
-<file path=ppt/slides/slide4.xml><?xml version="1.0" encoding="utf-8"?>
+<file path=ppt/slides/slide3.xml><?xml version="1.0" encoding="utf-8"?>
 <p:sld xmlns:a="http://schemas.openxmlformats.org/drawingml/2006/main" xmlns:r="http://schemas.openxmlformats.org/officeDocument/2006/relationships" xmlns:p="http://schemas.openxmlformats.org/presentationml/2006/main">
   <p:cSld>
     <p:spTree>
@@ -14656,7 +14352,7 @@
             <a:pPr rtl="0"/>
             <a:fld id="{29001C47-BEEA-4335-BEE1-6911FECB644C}" type="datetime1">
               <a:rPr lang="de-DE" smtClean="0"/>
-              <a:t>23.01.2023</a:t>
+              <a:t>30.01.2023</a:t>
             </a:fld>
             <a:endParaRPr lang="de-DE"/>
           </a:p>
@@ -14726,7 +14422,7 @@
             <a:fld id="{DBA1B0FB-D917-4C8C-928F-313BD683BF39}" type="slidenum">
               <a:rPr lang="de-DE" smtClean="0"/>
               <a:pPr rtl="0"/>
-              <a:t>4</a:t>
+              <a:t>3</a:t>
             </a:fld>
             <a:endParaRPr lang="de-DE"/>
           </a:p>
@@ -15813,6 +15509,15 @@
 </file>
 
 <file path=customXml/item2.xml><?xml version="1.0" encoding="utf-8"?>
+<?mso-contentType ?>
+<FormTemplates xmlns="http://schemas.microsoft.com/sharepoint/v3/contenttype/forms">
+  <Display>DocumentLibraryForm</Display>
+  <Edit>DocumentLibraryForm</Edit>
+  <New>DocumentLibraryForm</New>
+</FormTemplates>
+</file>
+
+<file path=customXml/item3.xml><?xml version="1.0" encoding="utf-8"?>
 <p:properties xmlns:p="http://schemas.microsoft.com/office/2006/metadata/properties" xmlns:xsi="http://www.w3.org/2001/XMLSchema-instance" xmlns:pc="http://schemas.microsoft.com/office/infopath/2007/PartnerControls">
   <documentManagement>
     <_ip_UnifiedCompliancePolicyUIAction xmlns="http://schemas.microsoft.com/sharepoint/v3" xsi:nil="true"/>
@@ -15829,15 +15534,6 @@
     <MediaServiceKeyPoints xmlns="71af3243-3dd4-4a8d-8c0d-dd76da1f02a5" xsi:nil="true"/>
   </documentManagement>
 </p:properties>
-</file>
-
-<file path=customXml/item3.xml><?xml version="1.0" encoding="utf-8"?>
-<?mso-contentType ?>
-<FormTemplates xmlns="http://schemas.microsoft.com/sharepoint/v3/contenttype/forms">
-  <Display>DocumentLibraryForm</Display>
-  <Edit>DocumentLibraryForm</Edit>
-  <New>DocumentLibraryForm</New>
-</FormTemplates>
 </file>
 
 <file path=customXml/itemProps1.xml><?xml version="1.0" encoding="utf-8"?>
@@ -15862,6 +15558,14 @@
 </file>
 
 <file path=customXml/itemProps2.xml><?xml version="1.0" encoding="utf-8"?>
+<ds:datastoreItem xmlns:ds="http://schemas.openxmlformats.org/officeDocument/2006/customXml" ds:itemID="{904751AB-E840-446F-8D49-E697067EC887}">
+  <ds:schemaRefs>
+    <ds:schemaRef ds:uri="http://schemas.microsoft.com/sharepoint/v3/contenttype/forms"/>
+  </ds:schemaRefs>
+</ds:datastoreItem>
+</file>
+
+<file path=customXml/itemProps3.xml><?xml version="1.0" encoding="utf-8"?>
 <ds:datastoreItem xmlns:ds="http://schemas.openxmlformats.org/officeDocument/2006/customXml" ds:itemID="{50811A92-D464-4AC4-A396-BA73B10CEEAC}">
   <ds:schemaRefs>
     <ds:schemaRef ds:uri="http://schemas.microsoft.com/office/2006/metadata/properties"/>
@@ -15873,14 +15577,6 @@
 </ds:datastoreItem>
 </file>
 
-<file path=customXml/itemProps3.xml><?xml version="1.0" encoding="utf-8"?>
-<ds:datastoreItem xmlns:ds="http://schemas.openxmlformats.org/officeDocument/2006/customXml" ds:itemID="{904751AB-E840-446F-8D49-E697067EC887}">
-  <ds:schemaRefs>
-    <ds:schemaRef ds:uri="http://schemas.microsoft.com/sharepoint/v3/contenttype/forms"/>
-  </ds:schemaRefs>
-</ds:datastoreItem>
-</file>
-
 <file path=docMetadata/LabelInfo.xml><?xml version="1.0" encoding="utf-8"?>
 <clbl:labelList xmlns:clbl="http://schemas.microsoft.com/office/2020/mipLabelMetadata">
   <clbl:label id="{f42aa342-8706-4288-bd11-ebb85995028c}" enabled="1" method="Standard" siteId="{72f988bf-86f1-41af-91ab-2d7cd011db47}" contentBits="0" removed="0"/>
